--- a/Lectures/(8) Storing & Managing Data.pptx
+++ b/Lectures/(8) Storing & Managing Data.pptx
@@ -5,7 +5,7 @@
     <p:sldMasterId id="2147483672" r:id="rId1"/>
   </p:sldMasterIdLst>
   <p:notesMasterIdLst>
-    <p:notesMasterId r:id="rId14"/>
+    <p:notesMasterId r:id="rId15"/>
   </p:notesMasterIdLst>
   <p:sldIdLst>
     <p:sldId id="256" r:id="rId2"/>
@@ -20,30 +20,31 @@
     <p:sldId id="265" r:id="rId11"/>
     <p:sldId id="267" r:id="rId12"/>
     <p:sldId id="264" r:id="rId13"/>
+    <p:sldId id="298" r:id="rId14"/>
   </p:sldIdLst>
   <p:sldSz cx="12192000" cy="6858000"/>
   <p:notesSz cx="6858000" cy="9144000"/>
   <p:embeddedFontLst>
     <p:embeddedFont>
       <p:font typeface="Calibri" panose="020F0502020204030204" pitchFamily="34" charset="0"/>
-      <p:regular r:id="rId15"/>
-      <p:bold r:id="rId16"/>
-      <p:italic r:id="rId17"/>
-      <p:boldItalic r:id="rId18"/>
+      <p:regular r:id="rId16"/>
+      <p:bold r:id="rId17"/>
+      <p:italic r:id="rId18"/>
+      <p:boldItalic r:id="rId19"/>
     </p:embeddedFont>
     <p:embeddedFont>
-      <p:font typeface="Lato" panose="020B0604020202020204" charset="0"/>
-      <p:regular r:id="rId19"/>
-      <p:bold r:id="rId20"/>
-      <p:italic r:id="rId21"/>
-      <p:boldItalic r:id="rId22"/>
+      <p:font typeface="Lato" panose="020F0502020204030203" pitchFamily="34" charset="0"/>
+      <p:regular r:id="rId20"/>
+      <p:bold r:id="rId21"/>
+      <p:italic r:id="rId22"/>
+      <p:boldItalic r:id="rId23"/>
     </p:embeddedFont>
     <p:embeddedFont>
-      <p:font typeface="Raleway" panose="020B0604020202020204" charset="0"/>
-      <p:regular r:id="rId23"/>
-      <p:bold r:id="rId24"/>
-      <p:italic r:id="rId25"/>
-      <p:boldItalic r:id="rId26"/>
+      <p:font typeface="Raleway" pitchFamily="2" charset="0"/>
+      <p:regular r:id="rId24"/>
+      <p:bold r:id="rId25"/>
+      <p:italic r:id="rId26"/>
+      <p:boldItalic r:id="rId27"/>
     </p:embeddedFont>
   </p:embeddedFontLst>
   <p:defaultTextStyle>
@@ -283,6 +284,14 @@
 </p:presentation>
 </file>
 
+<file path=ppt/revisionInfo.xml><?xml version="1.0" encoding="utf-8"?>
+<p1510:revInfo xmlns:a="http://schemas.openxmlformats.org/drawingml/2006/main" xmlns:r="http://schemas.openxmlformats.org/officeDocument/2006/relationships" xmlns:p1510="http://schemas.microsoft.com/office/powerpoint/2015/10/main">
+  <p1510:revLst>
+    <p1510:client id="{1F04B63B-3898-46D1-9F1D-CBF267E3E5B3}" v="1" dt="2021-10-19T22:09:43.999"/>
+  </p1510:revLst>
+</p1510:revInfo>
+</file>
+
 <file path=ppt/changesInfos/changesInfo1.xml><?xml version="1.0" encoding="utf-8"?>
 <pc:chgInfo xmlns:a="http://schemas.openxmlformats.org/drawingml/2006/main" xmlns:r="http://schemas.openxmlformats.org/officeDocument/2006/relationships" xmlns:ac="http://schemas.microsoft.com/office/drawing/2013/main/command" xmlns:pc="http://schemas.microsoft.com/office/powerpoint/2013/main/command">
   <pc:docChgLst>
@@ -440,6 +449,22 @@
           </pc:sldLayoutMkLst>
         </pc:sldLayoutChg>
       </pc:sldMasterChg>
+    </pc:docChg>
+  </pc:docChgLst>
+  <pc:docChgLst>
+    <pc:chgData name="Jeremy Bergmann" userId="2355ee0d-2b6e-4bfe-a235-383daf8df8e3" providerId="ADAL" clId="{1F04B63B-3898-46D1-9F1D-CBF267E3E5B3}"/>
+    <pc:docChg chg="addSld modSld">
+      <pc:chgData name="Jeremy Bergmann" userId="2355ee0d-2b6e-4bfe-a235-383daf8df8e3" providerId="ADAL" clId="{1F04B63B-3898-46D1-9F1D-CBF267E3E5B3}" dt="2021-10-19T22:09:43.998" v="0"/>
+      <pc:docMkLst>
+        <pc:docMk/>
+      </pc:docMkLst>
+      <pc:sldChg chg="add">
+        <pc:chgData name="Jeremy Bergmann" userId="2355ee0d-2b6e-4bfe-a235-383daf8df8e3" providerId="ADAL" clId="{1F04B63B-3898-46D1-9F1D-CBF267E3E5B3}" dt="2021-10-19T22:09:43.998" v="0"/>
+        <pc:sldMkLst>
+          <pc:docMk/>
+          <pc:sldMk cId="2526615778" sldId="298"/>
+        </pc:sldMkLst>
+      </pc:sldChg>
     </pc:docChg>
   </pc:docChgLst>
 </pc:chgInfo>
@@ -2047,6 +2072,115 @@
         </p:spPr>
       </p:sp>
     </p:spTree>
+  </p:cSld>
+  <p:clrMapOvr>
+    <a:masterClrMapping/>
+  </p:clrMapOvr>
+</p:notes>
+</file>
+
+<file path=ppt/notesSlides/notesSlide13.xml><?xml version="1.0" encoding="utf-8"?>
+<p:notes xmlns:a="http://schemas.openxmlformats.org/drawingml/2006/main" xmlns:r="http://schemas.openxmlformats.org/officeDocument/2006/relationships" xmlns:p="http://schemas.openxmlformats.org/presentationml/2006/main" showMasterSp="0" showMasterPhAnim="0">
+  <p:cSld>
+    <p:spTree>
+      <p:nvGrpSpPr>
+        <p:cNvPr id="1" name="Shape 280"/>
+        <p:cNvGrpSpPr/>
+        <p:nvPr/>
+      </p:nvGrpSpPr>
+      <p:grpSpPr>
+        <a:xfrm>
+          <a:off x="0" y="0"/>
+          <a:ext cx="0" cy="0"/>
+          <a:chOff x="0" y="0"/>
+          <a:chExt cx="0" cy="0"/>
+        </a:xfrm>
+      </p:grpSpPr>
+      <p:sp>
+        <p:nvSpPr>
+          <p:cNvPr id="281" name="Google Shape;281;g5038ce4af1_0_367:notes"/>
+          <p:cNvSpPr txBox="1">
+            <a:spLocks noGrp="1"/>
+          </p:cNvSpPr>
+          <p:nvPr>
+            <p:ph type="body" idx="1"/>
+          </p:nvPr>
+        </p:nvSpPr>
+        <p:spPr>
+          <a:xfrm>
+            <a:off x="685800" y="4400550"/>
+            <a:ext cx="5486400" cy="3600600"/>
+          </a:xfrm>
+          <a:prstGeom prst="rect">
+            <a:avLst/>
+          </a:prstGeom>
+        </p:spPr>
+        <p:txBody>
+          <a:bodyPr spcFirstLastPara="1" wrap="square" lIns="91425" tIns="45700" rIns="91425" bIns="45700" anchor="t" anchorCtr="0">
+            <a:noAutofit/>
+          </a:bodyPr>
+          <a:lstStyle/>
+          <a:p>
+            <a:pPr marL="0" lvl="0" indent="0" algn="l" rtl="0">
+              <a:spcBef>
+                <a:spcPts val="0"/>
+              </a:spcBef>
+              <a:spcAft>
+                <a:spcPts val="0"/>
+              </a:spcAft>
+              <a:buNone/>
+            </a:pPr>
+            <a:endParaRPr dirty="0"/>
+          </a:p>
+        </p:txBody>
+      </p:sp>
+      <p:sp>
+        <p:nvSpPr>
+          <p:cNvPr id="282" name="Google Shape;282;g5038ce4af1_0_367:notes"/>
+          <p:cNvSpPr>
+            <a:spLocks noGrp="1" noRot="1" noChangeAspect="1"/>
+          </p:cNvSpPr>
+          <p:nvPr>
+            <p:ph type="sldImg" idx="2"/>
+          </p:nvPr>
+        </p:nvSpPr>
+        <p:spPr>
+          <a:xfrm>
+            <a:off x="685800" y="1143000"/>
+            <a:ext cx="5486400" cy="3086100"/>
+          </a:xfrm>
+          <a:custGeom>
+            <a:avLst/>
+            <a:gdLst/>
+            <a:ahLst/>
+            <a:cxnLst/>
+            <a:rect l="l" t="t" r="r" b="b"/>
+            <a:pathLst>
+              <a:path w="120000" h="120000" extrusionOk="0">
+                <a:moveTo>
+                  <a:pt x="0" y="0"/>
+                </a:moveTo>
+                <a:lnTo>
+                  <a:pt x="120000" y="0"/>
+                </a:lnTo>
+                <a:lnTo>
+                  <a:pt x="120000" y="120000"/>
+                </a:lnTo>
+                <a:lnTo>
+                  <a:pt x="0" y="120000"/>
+                </a:lnTo>
+                <a:close/>
+              </a:path>
+            </a:pathLst>
+          </a:custGeom>
+        </p:spPr>
+      </p:sp>
+    </p:spTree>
+    <p:extLst>
+      <p:ext uri="{BB962C8B-B14F-4D97-AF65-F5344CB8AC3E}">
+        <p14:creationId xmlns:p14="http://schemas.microsoft.com/office/powerpoint/2010/main" val="1561435724"/>
+      </p:ext>
+    </p:extLst>
   </p:cSld>
   <p:clrMapOvr>
     <a:masterClrMapping/>
@@ -12802,6 +12936,83 @@
 </p:sld>
 </file>
 
+<file path=ppt/slides/slide13.xml><?xml version="1.0" encoding="utf-8"?>
+<p:sld xmlns:a="http://schemas.openxmlformats.org/drawingml/2006/main" xmlns:r="http://schemas.openxmlformats.org/officeDocument/2006/relationships" xmlns:p="http://schemas.openxmlformats.org/presentationml/2006/main">
+  <p:cSld>
+    <p:spTree>
+      <p:nvGrpSpPr>
+        <p:cNvPr id="1" name="Shape 283"/>
+        <p:cNvGrpSpPr/>
+        <p:nvPr/>
+      </p:nvGrpSpPr>
+      <p:grpSpPr>
+        <a:xfrm>
+          <a:off x="0" y="0"/>
+          <a:ext cx="0" cy="0"/>
+          <a:chOff x="0" y="0"/>
+          <a:chExt cx="0" cy="0"/>
+        </a:xfrm>
+      </p:grpSpPr>
+      <p:pic>
+        <p:nvPicPr>
+          <p:cNvPr id="1026" name="Picture 2">
+            <a:extLst>
+              <a:ext uri="{FF2B5EF4-FFF2-40B4-BE49-F238E27FC236}">
+                <a16:creationId xmlns:a16="http://schemas.microsoft.com/office/drawing/2014/main" id="{D1755135-1C39-4F3D-8222-7A8A18AA4C5D}"/>
+              </a:ext>
+            </a:extLst>
+          </p:cNvPr>
+          <p:cNvPicPr>
+            <a:picLocks noChangeAspect="1" noChangeArrowheads="1"/>
+          </p:cNvPicPr>
+          <p:nvPr/>
+        </p:nvPicPr>
+        <p:blipFill>
+          <a:blip r:embed="rId3">
+            <a:extLst>
+              <a:ext uri="{28A0092B-C50C-407E-A947-70E740481C1C}">
+                <a14:useLocalDpi xmlns:a14="http://schemas.microsoft.com/office/drawing/2010/main" val="0"/>
+              </a:ext>
+            </a:extLst>
+          </a:blip>
+          <a:srcRect/>
+          <a:stretch>
+            <a:fillRect/>
+          </a:stretch>
+        </p:blipFill>
+        <p:spPr bwMode="auto">
+          <a:xfrm>
+            <a:off x="0" y="0"/>
+            <a:ext cx="12192000" cy="6858000"/>
+          </a:xfrm>
+          <a:prstGeom prst="rect">
+            <a:avLst/>
+          </a:prstGeom>
+          <a:noFill/>
+          <a:extLst>
+            <a:ext uri="{909E8E84-426E-40DD-AFC4-6F175D3DCCD1}">
+              <a14:hiddenFill xmlns:a14="http://schemas.microsoft.com/office/drawing/2010/main">
+                <a:solidFill>
+                  <a:srgbClr val="FFFFFF"/>
+                </a:solidFill>
+              </a14:hiddenFill>
+            </a:ext>
+          </a:extLst>
+        </p:spPr>
+      </p:pic>
+    </p:spTree>
+    <p:extLst>
+      <p:ext uri="{BB962C8B-B14F-4D97-AF65-F5344CB8AC3E}">
+        <p14:creationId xmlns:p14="http://schemas.microsoft.com/office/powerpoint/2010/main" val="2526615778"/>
+      </p:ext>
+    </p:extLst>
+  </p:cSld>
+  <p:clrMapOvr>
+    <a:masterClrMapping/>
+  </p:clrMapOvr>
+</p:sld>
+</file>
+
 <file path=ppt/slides/slide2.xml><?xml version="1.0" encoding="utf-8"?>
 <p:sld xmlns:a="http://schemas.openxmlformats.org/drawingml/2006/main" xmlns:r="http://schemas.openxmlformats.org/officeDocument/2006/relationships" xmlns:p="http://schemas.openxmlformats.org/presentationml/2006/main">
   <p:cSld>
@@ -13103,10 +13314,10 @@
               <a:buNone/>
             </a:pPr>
             <a:r>
-              <a:rPr lang="en-US" sz="4800"/>
+              <a:rPr lang="en-US" sz="4800" dirty="0"/>
               <a:t>Class 7 Objectives</a:t>
             </a:r>
-            <a:endParaRPr sz="4800"/>
+            <a:endParaRPr sz="4800" dirty="0"/>
           </a:p>
         </p:txBody>
       </p:sp>

--- a/Lectures/(8) Storing & Managing Data.pptx
+++ b/Lectures/(8) Storing & Managing Data.pptx
@@ -5,7 +5,7 @@
     <p:sldMasterId id="2147483672" r:id="rId1"/>
   </p:sldMasterIdLst>
   <p:notesMasterIdLst>
-    <p:notesMasterId r:id="rId15"/>
+    <p:notesMasterId r:id="rId17"/>
   </p:notesMasterIdLst>
   <p:sldIdLst>
     <p:sldId id="256" r:id="rId2"/>
@@ -20,31 +20,33 @@
     <p:sldId id="265" r:id="rId11"/>
     <p:sldId id="267" r:id="rId12"/>
     <p:sldId id="264" r:id="rId13"/>
-    <p:sldId id="298" r:id="rId14"/>
+    <p:sldId id="258" r:id="rId14"/>
+    <p:sldId id="266" r:id="rId15"/>
+    <p:sldId id="298" r:id="rId16"/>
   </p:sldIdLst>
   <p:sldSz cx="12192000" cy="6858000"/>
   <p:notesSz cx="6858000" cy="9144000"/>
   <p:embeddedFontLst>
     <p:embeddedFont>
       <p:font typeface="Calibri" panose="020F0502020204030204" pitchFamily="34" charset="0"/>
-      <p:regular r:id="rId16"/>
-      <p:bold r:id="rId17"/>
-      <p:italic r:id="rId18"/>
-      <p:boldItalic r:id="rId19"/>
+      <p:regular r:id="rId18"/>
+      <p:bold r:id="rId19"/>
+      <p:italic r:id="rId20"/>
+      <p:boldItalic r:id="rId21"/>
     </p:embeddedFont>
     <p:embeddedFont>
       <p:font typeface="Lato" panose="020F0502020204030203" pitchFamily="34" charset="0"/>
-      <p:regular r:id="rId20"/>
-      <p:bold r:id="rId21"/>
-      <p:italic r:id="rId22"/>
-      <p:boldItalic r:id="rId23"/>
+      <p:regular r:id="rId22"/>
+      <p:bold r:id="rId23"/>
+      <p:italic r:id="rId24"/>
+      <p:boldItalic r:id="rId25"/>
     </p:embeddedFont>
     <p:embeddedFont>
       <p:font typeface="Raleway" pitchFamily="2" charset="0"/>
-      <p:regular r:id="rId24"/>
-      <p:bold r:id="rId25"/>
-      <p:italic r:id="rId26"/>
-      <p:boldItalic r:id="rId27"/>
+      <p:regular r:id="rId26"/>
+      <p:bold r:id="rId27"/>
+      <p:italic r:id="rId28"/>
+      <p:boldItalic r:id="rId29"/>
     </p:embeddedFont>
   </p:embeddedFontLst>
   <p:defaultTextStyle>
@@ -287,7 +289,7 @@
 <file path=ppt/revisionInfo.xml><?xml version="1.0" encoding="utf-8"?>
 <p1510:revInfo xmlns:a="http://schemas.openxmlformats.org/drawingml/2006/main" xmlns:r="http://schemas.openxmlformats.org/officeDocument/2006/relationships" xmlns:p1510="http://schemas.microsoft.com/office/powerpoint/2015/10/main">
   <p1510:revLst>
-    <p1510:client id="{1F04B63B-3898-46D1-9F1D-CBF267E3E5B3}" v="1" dt="2021-10-19T22:09:43.999"/>
+    <p1510:client id="{1F04B63B-3898-46D1-9F1D-CBF267E3E5B3}" v="3" dt="2021-10-24T18:03:00.074"/>
   </p1510:revLst>
 </p1510:revInfo>
 </file>
@@ -454,10 +456,62 @@
   <pc:docChgLst>
     <pc:chgData name="Jeremy Bergmann" userId="2355ee0d-2b6e-4bfe-a235-383daf8df8e3" providerId="ADAL" clId="{1F04B63B-3898-46D1-9F1D-CBF267E3E5B3}"/>
     <pc:docChg chg="addSld modSld">
-      <pc:chgData name="Jeremy Bergmann" userId="2355ee0d-2b6e-4bfe-a235-383daf8df8e3" providerId="ADAL" clId="{1F04B63B-3898-46D1-9F1D-CBF267E3E5B3}" dt="2021-10-19T22:09:43.998" v="0"/>
+      <pc:chgData name="Jeremy Bergmann" userId="2355ee0d-2b6e-4bfe-a235-383daf8df8e3" providerId="ADAL" clId="{1F04B63B-3898-46D1-9F1D-CBF267E3E5B3}" dt="2021-10-24T18:03:47.510" v="5" actId="20577"/>
       <pc:docMkLst>
         <pc:docMk/>
       </pc:docMkLst>
+      <pc:sldChg chg="modSp mod">
+        <pc:chgData name="Jeremy Bergmann" userId="2355ee0d-2b6e-4bfe-a235-383daf8df8e3" providerId="ADAL" clId="{1F04B63B-3898-46D1-9F1D-CBF267E3E5B3}" dt="2021-10-24T18:03:47.510" v="5" actId="20577"/>
+        <pc:sldMkLst>
+          <pc:docMk/>
+          <pc:sldMk cId="0" sldId="257"/>
+        </pc:sldMkLst>
+        <pc:spChg chg="mod">
+          <ac:chgData name="Jeremy Bergmann" userId="2355ee0d-2b6e-4bfe-a235-383daf8df8e3" providerId="ADAL" clId="{1F04B63B-3898-46D1-9F1D-CBF267E3E5B3}" dt="2021-10-24T18:03:47.510" v="5" actId="20577"/>
+          <ac:spMkLst>
+            <pc:docMk/>
+            <pc:sldMk cId="0" sldId="257"/>
+            <ac:spMk id="185" creationId="{00000000-0000-0000-0000-000000000000}"/>
+          </ac:spMkLst>
+        </pc:spChg>
+      </pc:sldChg>
+      <pc:sldChg chg="modSp add mod">
+        <pc:chgData name="Jeremy Bergmann" userId="2355ee0d-2b6e-4bfe-a235-383daf8df8e3" providerId="ADAL" clId="{1F04B63B-3898-46D1-9F1D-CBF267E3E5B3}" dt="2021-10-24T18:01:38.780" v="2" actId="207"/>
+        <pc:sldMkLst>
+          <pc:docMk/>
+          <pc:sldMk cId="0" sldId="258"/>
+        </pc:sldMkLst>
+        <pc:spChg chg="mod">
+          <ac:chgData name="Jeremy Bergmann" userId="2355ee0d-2b6e-4bfe-a235-383daf8df8e3" providerId="ADAL" clId="{1F04B63B-3898-46D1-9F1D-CBF267E3E5B3}" dt="2021-10-24T18:01:38.780" v="2" actId="207"/>
+          <ac:spMkLst>
+            <pc:docMk/>
+            <pc:sldMk cId="0" sldId="258"/>
+            <ac:spMk id="192" creationId="{00000000-0000-0000-0000-000000000000}"/>
+          </ac:spMkLst>
+        </pc:spChg>
+      </pc:sldChg>
+      <pc:sldChg chg="modSp mod">
+        <pc:chgData name="Jeremy Bergmann" userId="2355ee0d-2b6e-4bfe-a235-383daf8df8e3" providerId="ADAL" clId="{1F04B63B-3898-46D1-9F1D-CBF267E3E5B3}" dt="2021-10-24T18:03:43.580" v="4" actId="20577"/>
+        <pc:sldMkLst>
+          <pc:docMk/>
+          <pc:sldMk cId="0" sldId="259"/>
+        </pc:sldMkLst>
+        <pc:spChg chg="mod">
+          <ac:chgData name="Jeremy Bergmann" userId="2355ee0d-2b6e-4bfe-a235-383daf8df8e3" providerId="ADAL" clId="{1F04B63B-3898-46D1-9F1D-CBF267E3E5B3}" dt="2021-10-24T18:03:43.580" v="4" actId="20577"/>
+          <ac:spMkLst>
+            <pc:docMk/>
+            <pc:sldMk cId="0" sldId="259"/>
+            <ac:spMk id="197" creationId="{00000000-0000-0000-0000-000000000000}"/>
+          </ac:spMkLst>
+        </pc:spChg>
+      </pc:sldChg>
+      <pc:sldChg chg="add">
+        <pc:chgData name="Jeremy Bergmann" userId="2355ee0d-2b6e-4bfe-a235-383daf8df8e3" providerId="ADAL" clId="{1F04B63B-3898-46D1-9F1D-CBF267E3E5B3}" dt="2021-10-24T18:03:00.074" v="3"/>
+        <pc:sldMkLst>
+          <pc:docMk/>
+          <pc:sldMk cId="0" sldId="266"/>
+        </pc:sldMkLst>
+      </pc:sldChg>
       <pc:sldChg chg="add">
         <pc:chgData name="Jeremy Bergmann" userId="2355ee0d-2b6e-4bfe-a235-383daf8df8e3" providerId="ADAL" clId="{1F04B63B-3898-46D1-9F1D-CBF267E3E5B3}" dt="2021-10-19T22:09:43.998" v="0"/>
         <pc:sldMkLst>
@@ -2080,6 +2134,295 @@
 </file>
 
 <file path=ppt/notesSlides/notesSlide13.xml><?xml version="1.0" encoding="utf-8"?>
+<p:notes xmlns:a="http://schemas.openxmlformats.org/drawingml/2006/main" xmlns:r="http://schemas.openxmlformats.org/officeDocument/2006/relationships" xmlns:p="http://schemas.openxmlformats.org/presentationml/2006/main" showMasterSp="0" showMasterPhAnim="0">
+  <p:cSld>
+    <p:spTree>
+      <p:nvGrpSpPr>
+        <p:cNvPr id="1" name="Shape 187"/>
+        <p:cNvGrpSpPr/>
+        <p:nvPr/>
+      </p:nvGrpSpPr>
+      <p:grpSpPr>
+        <a:xfrm>
+          <a:off x="0" y="0"/>
+          <a:ext cx="0" cy="0"/>
+          <a:chOff x="0" y="0"/>
+          <a:chExt cx="0" cy="0"/>
+        </a:xfrm>
+      </p:grpSpPr>
+      <p:sp>
+        <p:nvSpPr>
+          <p:cNvPr id="188" name="Google Shape;188;g5e13d6e993_0_0:notes"/>
+          <p:cNvSpPr txBox="1">
+            <a:spLocks noGrp="1"/>
+          </p:cNvSpPr>
+          <p:nvPr>
+            <p:ph type="body" idx="1"/>
+          </p:nvPr>
+        </p:nvSpPr>
+        <p:spPr>
+          <a:xfrm>
+            <a:off x="685800" y="4400550"/>
+            <a:ext cx="5486400" cy="3600600"/>
+          </a:xfrm>
+          <a:prstGeom prst="rect">
+            <a:avLst/>
+          </a:prstGeom>
+          <a:noFill/>
+          <a:ln>
+            <a:noFill/>
+          </a:ln>
+        </p:spPr>
+        <p:txBody>
+          <a:bodyPr spcFirstLastPara="1" wrap="square" lIns="91425" tIns="45700" rIns="91425" bIns="45700" anchor="t" anchorCtr="0">
+            <a:noAutofit/>
+          </a:bodyPr>
+          <a:lstStyle/>
+          <a:p>
+            <a:pPr marL="0" lvl="0" indent="0" algn="l" rtl="0">
+              <a:lnSpc>
+                <a:spcPct val="100000"/>
+              </a:lnSpc>
+              <a:spcBef>
+                <a:spcPts val="0"/>
+              </a:spcBef>
+              <a:spcAft>
+                <a:spcPts val="0"/>
+              </a:spcAft>
+              <a:buSzPts val="1400"/>
+              <a:buNone/>
+            </a:pPr>
+            <a:endParaRPr/>
+          </a:p>
+        </p:txBody>
+      </p:sp>
+      <p:sp>
+        <p:nvSpPr>
+          <p:cNvPr id="189" name="Google Shape;189;g5e13d6e993_0_0:notes"/>
+          <p:cNvSpPr>
+            <a:spLocks noGrp="1" noRot="1" noChangeAspect="1"/>
+          </p:cNvSpPr>
+          <p:nvPr>
+            <p:ph type="sldImg" idx="2"/>
+          </p:nvPr>
+        </p:nvSpPr>
+        <p:spPr>
+          <a:xfrm>
+            <a:off x="685800" y="1143000"/>
+            <a:ext cx="5486400" cy="3086100"/>
+          </a:xfrm>
+          <a:custGeom>
+            <a:avLst/>
+            <a:gdLst/>
+            <a:ahLst/>
+            <a:cxnLst/>
+            <a:rect l="l" t="t" r="r" b="b"/>
+            <a:pathLst>
+              <a:path w="120000" h="120000" extrusionOk="0">
+                <a:moveTo>
+                  <a:pt x="0" y="0"/>
+                </a:moveTo>
+                <a:lnTo>
+                  <a:pt x="120000" y="0"/>
+                </a:lnTo>
+                <a:lnTo>
+                  <a:pt x="120000" y="120000"/>
+                </a:lnTo>
+                <a:lnTo>
+                  <a:pt x="0" y="120000"/>
+                </a:lnTo>
+                <a:close/>
+              </a:path>
+            </a:pathLst>
+          </a:custGeom>
+          <a:noFill/>
+          <a:ln w="12700" cap="flat" cmpd="sng">
+            <a:solidFill>
+              <a:srgbClr val="000000"/>
+            </a:solidFill>
+            <a:prstDash val="solid"/>
+            <a:round/>
+            <a:headEnd type="none" w="sm" len="sm"/>
+            <a:tailEnd type="none" w="sm" len="sm"/>
+          </a:ln>
+        </p:spPr>
+      </p:sp>
+    </p:spTree>
+  </p:cSld>
+  <p:clrMapOvr>
+    <a:masterClrMapping/>
+  </p:clrMapOvr>
+</p:notes>
+</file>
+
+<file path=ppt/notesSlides/notesSlide14.xml><?xml version="1.0" encoding="utf-8"?>
+<p:notes xmlns:a="http://schemas.openxmlformats.org/drawingml/2006/main" xmlns:r="http://schemas.openxmlformats.org/officeDocument/2006/relationships" xmlns:p="http://schemas.openxmlformats.org/presentationml/2006/main" showMasterSp="0" showMasterPhAnim="0">
+  <p:cSld>
+    <p:spTree>
+      <p:nvGrpSpPr>
+        <p:cNvPr id="1" name="Shape 250"/>
+        <p:cNvGrpSpPr/>
+        <p:nvPr/>
+      </p:nvGrpSpPr>
+      <p:grpSpPr>
+        <a:xfrm>
+          <a:off x="0" y="0"/>
+          <a:ext cx="0" cy="0"/>
+          <a:chOff x="0" y="0"/>
+          <a:chExt cx="0" cy="0"/>
+        </a:xfrm>
+      </p:grpSpPr>
+      <p:sp>
+        <p:nvSpPr>
+          <p:cNvPr id="251" name="Google Shape;251;g520567870c_0_0:notes"/>
+          <p:cNvSpPr>
+            <a:spLocks noGrp="1" noRot="1" noChangeAspect="1"/>
+          </p:cNvSpPr>
+          <p:nvPr>
+            <p:ph type="sldImg" idx="2"/>
+          </p:nvPr>
+        </p:nvSpPr>
+        <p:spPr>
+          <a:xfrm>
+            <a:off x="685800" y="1143000"/>
+            <a:ext cx="5486400" cy="3086100"/>
+          </a:xfrm>
+          <a:custGeom>
+            <a:avLst/>
+            <a:gdLst/>
+            <a:ahLst/>
+            <a:cxnLst/>
+            <a:rect l="l" t="t" r="r" b="b"/>
+            <a:pathLst>
+              <a:path w="120000" h="120000" extrusionOk="0">
+                <a:moveTo>
+                  <a:pt x="0" y="0"/>
+                </a:moveTo>
+                <a:lnTo>
+                  <a:pt x="120000" y="0"/>
+                </a:lnTo>
+                <a:lnTo>
+                  <a:pt x="120000" y="120000"/>
+                </a:lnTo>
+                <a:lnTo>
+                  <a:pt x="0" y="120000"/>
+                </a:lnTo>
+                <a:close/>
+              </a:path>
+            </a:pathLst>
+          </a:custGeom>
+        </p:spPr>
+      </p:sp>
+      <p:sp>
+        <p:nvSpPr>
+          <p:cNvPr id="252" name="Google Shape;252;g520567870c_0_0:notes"/>
+          <p:cNvSpPr txBox="1">
+            <a:spLocks noGrp="1"/>
+          </p:cNvSpPr>
+          <p:nvPr>
+            <p:ph type="body" idx="1"/>
+          </p:nvPr>
+        </p:nvSpPr>
+        <p:spPr>
+          <a:xfrm>
+            <a:off x="685800" y="4400550"/>
+            <a:ext cx="5486400" cy="3600600"/>
+          </a:xfrm>
+          <a:prstGeom prst="rect">
+            <a:avLst/>
+          </a:prstGeom>
+        </p:spPr>
+        <p:txBody>
+          <a:bodyPr spcFirstLastPara="1" wrap="square" lIns="91425" tIns="45700" rIns="91425" bIns="45700" anchor="t" anchorCtr="0">
+            <a:noAutofit/>
+          </a:bodyPr>
+          <a:lstStyle/>
+          <a:p>
+            <a:pPr marL="0" lvl="0" indent="0" algn="l" rtl="0">
+              <a:spcBef>
+                <a:spcPts val="0"/>
+              </a:spcBef>
+              <a:spcAft>
+                <a:spcPts val="0"/>
+              </a:spcAft>
+              <a:buNone/>
+            </a:pPr>
+            <a:r>
+              <a:rPr lang="en-US"/>
+              <a:t>If error that cant find python library: </a:t>
+            </a:r>
+            <a:r>
+              <a:rPr lang="en-US" sz="1100" u="sng">
+                <a:solidFill>
+                  <a:schemeClr val="hlink"/>
+                </a:solidFill>
+                <a:latin typeface="Arial"/>
+                <a:ea typeface="Arial"/>
+                <a:cs typeface="Arial"/>
+                <a:sym typeface="Arial"/>
+                <a:hlinkClick r:id="rId3"/>
+              </a:rPr>
+              <a:t>https://stackoverflow.com/questions/43437884/jupyter-notebook-import-error-no-module-named-matplotlib</a:t>
+            </a:r>
+            <a:endParaRPr/>
+          </a:p>
+        </p:txBody>
+      </p:sp>
+      <p:sp>
+        <p:nvSpPr>
+          <p:cNvPr id="253" name="Google Shape;253;g520567870c_0_0:notes"/>
+          <p:cNvSpPr txBox="1">
+            <a:spLocks noGrp="1"/>
+          </p:cNvSpPr>
+          <p:nvPr>
+            <p:ph type="sldNum" idx="12"/>
+          </p:nvPr>
+        </p:nvSpPr>
+        <p:spPr>
+          <a:xfrm>
+            <a:off x="3884613" y="8685213"/>
+            <a:ext cx="2971800" cy="458700"/>
+          </a:xfrm>
+          <a:prstGeom prst="rect">
+            <a:avLst/>
+          </a:prstGeom>
+        </p:spPr>
+        <p:txBody>
+          <a:bodyPr spcFirstLastPara="1" wrap="square" lIns="91425" tIns="45700" rIns="91425" bIns="45700" anchor="b" anchorCtr="0">
+            <a:noAutofit/>
+          </a:bodyPr>
+          <a:lstStyle/>
+          <a:p>
+            <a:pPr marL="0" lvl="0" indent="0" algn="r" rtl="0">
+              <a:spcBef>
+                <a:spcPts val="0"/>
+              </a:spcBef>
+              <a:spcAft>
+                <a:spcPts val="0"/>
+              </a:spcAft>
+              <a:buClr>
+                <a:srgbClr val="000000"/>
+              </a:buClr>
+              <a:buFont typeface="Arial"/>
+              <a:buNone/>
+            </a:pPr>
+            <a:fld id="{00000000-1234-1234-1234-123412341234}" type="slidenum">
+              <a:rPr lang="en-US"/>
+              <a:t>14</a:t>
+            </a:fld>
+            <a:endParaRPr/>
+          </a:p>
+        </p:txBody>
+      </p:sp>
+    </p:spTree>
+  </p:cSld>
+  <p:clrMapOvr>
+    <a:masterClrMapping/>
+  </p:clrMapOvr>
+</p:notes>
+</file>
+
+<file path=ppt/notesSlides/notesSlide15.xml><?xml version="1.0" encoding="utf-8"?>
 <p:notes xmlns:a="http://schemas.openxmlformats.org/drawingml/2006/main" xmlns:r="http://schemas.openxmlformats.org/officeDocument/2006/relationships" xmlns:p="http://schemas.openxmlformats.org/presentationml/2006/main" showMasterSp="0" showMasterPhAnim="0">
   <p:cSld>
     <p:spTree>
@@ -12941,6 +13284,667 @@
   <p:cSld>
     <p:spTree>
       <p:nvGrpSpPr>
+        <p:cNvPr id="1" name="Shape 190"/>
+        <p:cNvGrpSpPr/>
+        <p:nvPr/>
+      </p:nvGrpSpPr>
+      <p:grpSpPr>
+        <a:xfrm>
+          <a:off x="0" y="0"/>
+          <a:ext cx="0" cy="0"/>
+          <a:chOff x="0" y="0"/>
+          <a:chExt cx="0" cy="0"/>
+        </a:xfrm>
+      </p:grpSpPr>
+      <p:sp>
+        <p:nvSpPr>
+          <p:cNvPr id="191" name="Google Shape;191;p29"/>
+          <p:cNvSpPr txBox="1">
+            <a:spLocks noGrp="1"/>
+          </p:cNvSpPr>
+          <p:nvPr>
+            <p:ph type="title" idx="4294967295"/>
+          </p:nvPr>
+        </p:nvSpPr>
+        <p:spPr>
+          <a:xfrm>
+            <a:off x="913795" y="609600"/>
+            <a:ext cx="10353900" cy="970500"/>
+          </a:xfrm>
+          <a:prstGeom prst="rect">
+            <a:avLst/>
+          </a:prstGeom>
+          <a:noFill/>
+          <a:ln>
+            <a:noFill/>
+          </a:ln>
+          <a:effectLst>
+            <a:outerShdw blurRad="25400">
+              <a:srgbClr val="000000">
+                <a:alpha val="45490"/>
+              </a:srgbClr>
+            </a:outerShdw>
+          </a:effectLst>
+        </p:spPr>
+        <p:txBody>
+          <a:bodyPr spcFirstLastPara="1" wrap="square" lIns="91425" tIns="45700" rIns="91425" bIns="45700" anchor="ctr" anchorCtr="0">
+            <a:noAutofit/>
+          </a:bodyPr>
+          <a:lstStyle/>
+          <a:p>
+            <a:pPr marL="0" lvl="0" indent="0" algn="l" rtl="0">
+              <a:lnSpc>
+                <a:spcPct val="100000"/>
+              </a:lnSpc>
+              <a:spcBef>
+                <a:spcPts val="0"/>
+              </a:spcBef>
+              <a:spcAft>
+                <a:spcPts val="0"/>
+              </a:spcAft>
+              <a:buClr>
+                <a:schemeClr val="lt2"/>
+              </a:buClr>
+              <a:buSzPts val="4000"/>
+              <a:buFont typeface="Lustria"/>
+              <a:buNone/>
+            </a:pPr>
+            <a:r>
+              <a:rPr lang="en-US"/>
+              <a:t>Project Milestones</a:t>
+            </a:r>
+            <a:endParaRPr/>
+          </a:p>
+        </p:txBody>
+      </p:sp>
+      <p:sp>
+        <p:nvSpPr>
+          <p:cNvPr id="192" name="Google Shape;192;p29"/>
+          <p:cNvSpPr txBox="1">
+            <a:spLocks noGrp="1"/>
+          </p:cNvSpPr>
+          <p:nvPr>
+            <p:ph type="body" idx="4294967295"/>
+          </p:nvPr>
+        </p:nvSpPr>
+        <p:spPr>
+          <a:xfrm>
+            <a:off x="1001544" y="1995724"/>
+            <a:ext cx="10816207" cy="4058700"/>
+          </a:xfrm>
+          <a:prstGeom prst="rect">
+            <a:avLst/>
+          </a:prstGeom>
+          <a:noFill/>
+          <a:ln>
+            <a:noFill/>
+          </a:ln>
+          <a:effectLst>
+            <a:outerShdw blurRad="25400">
+              <a:srgbClr val="000000">
+                <a:alpha val="45490"/>
+              </a:srgbClr>
+            </a:outerShdw>
+          </a:effectLst>
+        </p:spPr>
+        <p:txBody>
+          <a:bodyPr spcFirstLastPara="1" wrap="square" lIns="91425" tIns="45700" rIns="91425" bIns="45700" anchor="t" anchorCtr="0">
+            <a:noAutofit/>
+          </a:bodyPr>
+          <a:lstStyle/>
+          <a:p>
+            <a:pPr marL="494098" lvl="0" indent="-494098" algn="l" rtl="0">
+              <a:lnSpc>
+                <a:spcPct val="115000"/>
+              </a:lnSpc>
+              <a:spcBef>
+                <a:spcPts val="0"/>
+              </a:spcBef>
+              <a:spcAft>
+                <a:spcPts val="0"/>
+              </a:spcAft>
+              <a:buClr>
+                <a:srgbClr val="434343"/>
+              </a:buClr>
+              <a:buSzPts val="2400"/>
+              <a:buFont typeface="Lustria"/>
+              <a:buAutoNum type="arabicPeriod"/>
+            </a:pPr>
+            <a:r>
+              <a:rPr lang="en-US" sz="2400" dirty="0">
+                <a:solidFill>
+                  <a:srgbClr val="434343"/>
+                </a:solidFill>
+              </a:rPr>
+              <a:t>Query Data for Data Understanding/Relevant Information (Class 2) </a:t>
+            </a:r>
+          </a:p>
+          <a:p>
+            <a:pPr marL="494098" indent="-494098">
+              <a:buClr>
+                <a:srgbClr val="434343"/>
+              </a:buClr>
+              <a:buSzPts val="2400"/>
+              <a:buFont typeface="Lustria"/>
+              <a:buAutoNum type="arabicPeriod"/>
+            </a:pPr>
+            <a:r>
+              <a:rPr lang="en-US" sz="2400" dirty="0">
+                <a:solidFill>
+                  <a:schemeClr val="bg2"/>
+                </a:solidFill>
+              </a:rPr>
+              <a:t>Import data into MySQL database (Class 3)</a:t>
+            </a:r>
+            <a:endParaRPr sz="2400" dirty="0">
+              <a:solidFill>
+                <a:srgbClr val="434343"/>
+              </a:solidFill>
+            </a:endParaRPr>
+          </a:p>
+          <a:p>
+            <a:pPr marL="494098" lvl="0" indent="-494098" algn="l" rtl="0">
+              <a:lnSpc>
+                <a:spcPct val="115000"/>
+              </a:lnSpc>
+              <a:spcBef>
+                <a:spcPts val="1000"/>
+              </a:spcBef>
+              <a:spcAft>
+                <a:spcPts val="0"/>
+              </a:spcAft>
+              <a:buClr>
+                <a:srgbClr val="000000"/>
+              </a:buClr>
+              <a:buSzPts val="2400"/>
+              <a:buFont typeface="Lustria"/>
+              <a:buAutoNum type="arabicPeriod"/>
+            </a:pPr>
+            <a:r>
+              <a:rPr lang="en-US" sz="2400" dirty="0">
+                <a:solidFill>
+                  <a:srgbClr val="000000"/>
+                </a:solidFill>
+              </a:rPr>
+              <a:t>Storing/Joining data for analysis (Class 4)</a:t>
+            </a:r>
+            <a:endParaRPr sz="2400" dirty="0">
+              <a:solidFill>
+                <a:srgbClr val="000000"/>
+              </a:solidFill>
+            </a:endParaRPr>
+          </a:p>
+          <a:p>
+            <a:pPr marL="494098" lvl="0" indent="-494098" algn="l" rtl="0">
+              <a:lnSpc>
+                <a:spcPct val="115000"/>
+              </a:lnSpc>
+              <a:spcBef>
+                <a:spcPts val="1000"/>
+              </a:spcBef>
+              <a:spcAft>
+                <a:spcPts val="0"/>
+              </a:spcAft>
+              <a:buClr>
+                <a:srgbClr val="000000"/>
+              </a:buClr>
+              <a:buSzPts val="2400"/>
+              <a:buAutoNum type="arabicPeriod"/>
+            </a:pPr>
+            <a:r>
+              <a:rPr lang="en-US" sz="2400" dirty="0">
+                <a:solidFill>
+                  <a:srgbClr val="000000"/>
+                </a:solidFill>
+              </a:rPr>
+              <a:t>Cleaning Data (Class 5)</a:t>
+            </a:r>
+            <a:endParaRPr sz="2400" dirty="0">
+              <a:solidFill>
+                <a:srgbClr val="000000"/>
+              </a:solidFill>
+            </a:endParaRPr>
+          </a:p>
+          <a:p>
+            <a:pPr marL="494098" lvl="0" indent="-494098" algn="l" rtl="0">
+              <a:lnSpc>
+                <a:spcPct val="115000"/>
+              </a:lnSpc>
+              <a:spcBef>
+                <a:spcPts val="1000"/>
+              </a:spcBef>
+              <a:spcAft>
+                <a:spcPts val="0"/>
+              </a:spcAft>
+              <a:buClr>
+                <a:srgbClr val="000000"/>
+              </a:buClr>
+              <a:buSzPts val="2400"/>
+              <a:buFont typeface="Lustria"/>
+              <a:buAutoNum type="arabicPeriod"/>
+            </a:pPr>
+            <a:r>
+              <a:rPr lang="en-US" sz="2400" dirty="0">
+                <a:solidFill>
+                  <a:srgbClr val="000000"/>
+                </a:solidFill>
+              </a:rPr>
+              <a:t>Create Automated Processes using Stored Procedures &amp; Functions (Class 6)</a:t>
+            </a:r>
+          </a:p>
+          <a:p>
+            <a:pPr marL="494098" indent="-494098">
+              <a:spcBef>
+                <a:spcPts val="1000"/>
+              </a:spcBef>
+              <a:buClr>
+                <a:srgbClr val="000000"/>
+              </a:buClr>
+              <a:buSzPts val="2400"/>
+              <a:buFont typeface="Lustria"/>
+              <a:buAutoNum type="arabicPeriod"/>
+            </a:pPr>
+            <a:r>
+              <a:rPr lang="en-US" sz="2400" dirty="0">
+                <a:solidFill>
+                  <a:srgbClr val="000000"/>
+                </a:solidFill>
+              </a:rPr>
+              <a:t>Normalize Data &amp; Create Data Model (Class 7)</a:t>
+            </a:r>
+            <a:endParaRPr sz="2400" dirty="0">
+              <a:solidFill>
+                <a:srgbClr val="000000"/>
+              </a:solidFill>
+            </a:endParaRPr>
+          </a:p>
+          <a:p>
+            <a:pPr marL="494098" lvl="0" indent="-494098" algn="l" rtl="0">
+              <a:lnSpc>
+                <a:spcPct val="115000"/>
+              </a:lnSpc>
+              <a:spcBef>
+                <a:spcPts val="1000"/>
+              </a:spcBef>
+              <a:spcAft>
+                <a:spcPts val="0"/>
+              </a:spcAft>
+              <a:buClr>
+                <a:srgbClr val="000000"/>
+              </a:buClr>
+              <a:buSzPts val="2400"/>
+              <a:buFont typeface="Lustria"/>
+              <a:buAutoNum type="arabicPeriod"/>
+            </a:pPr>
+            <a:r>
+              <a:rPr lang="en-US" sz="2400" dirty="0">
+                <a:solidFill>
+                  <a:srgbClr val="00B050"/>
+                </a:solidFill>
+              </a:rPr>
+              <a:t>Analyze Data Quality &amp; Create Data Dictionary (Class 8) </a:t>
+            </a:r>
+            <a:endParaRPr sz="2400" dirty="0">
+              <a:solidFill>
+                <a:srgbClr val="00B050"/>
+              </a:solidFill>
+            </a:endParaRPr>
+          </a:p>
+          <a:p>
+            <a:pPr marL="494098" lvl="0" indent="-494098" algn="l" rtl="0">
+              <a:lnSpc>
+                <a:spcPct val="115000"/>
+              </a:lnSpc>
+              <a:spcBef>
+                <a:spcPts val="1000"/>
+              </a:spcBef>
+              <a:spcAft>
+                <a:spcPts val="0"/>
+              </a:spcAft>
+              <a:buClr>
+                <a:srgbClr val="000000"/>
+              </a:buClr>
+              <a:buSzPts val="2400"/>
+              <a:buFont typeface="Lustria"/>
+              <a:buAutoNum type="arabicPeriod"/>
+            </a:pPr>
+            <a:r>
+              <a:rPr lang="en-US" sz="2400" dirty="0">
+                <a:solidFill>
+                  <a:srgbClr val="00B050"/>
+                </a:solidFill>
+              </a:rPr>
+              <a:t>Finalize Project - Connect MySQL to </a:t>
+            </a:r>
+            <a:r>
+              <a:rPr lang="en-US" sz="2400" dirty="0" err="1">
+                <a:solidFill>
+                  <a:srgbClr val="00B050"/>
+                </a:solidFill>
+              </a:rPr>
+              <a:t>PowerBI</a:t>
+            </a:r>
+            <a:r>
+              <a:rPr lang="en-US" sz="2400" dirty="0">
+                <a:solidFill>
+                  <a:srgbClr val="00B050"/>
+                </a:solidFill>
+              </a:rPr>
+              <a:t> Cloud, Answer Business Questions (Class 8)</a:t>
+            </a:r>
+            <a:endParaRPr sz="2400" dirty="0">
+              <a:solidFill>
+                <a:srgbClr val="00B050"/>
+              </a:solidFill>
+            </a:endParaRPr>
+          </a:p>
+        </p:txBody>
+      </p:sp>
+    </p:spTree>
+  </p:cSld>
+  <p:clrMapOvr>
+    <a:masterClrMapping/>
+  </p:clrMapOvr>
+</p:sld>
+</file>
+
+<file path=ppt/slides/slide14.xml><?xml version="1.0" encoding="utf-8"?>
+<p:sld xmlns:a="http://schemas.openxmlformats.org/drawingml/2006/main" xmlns:r="http://schemas.openxmlformats.org/officeDocument/2006/relationships" xmlns:p="http://schemas.openxmlformats.org/presentationml/2006/main">
+  <p:cSld>
+    <p:spTree>
+      <p:nvGrpSpPr>
+        <p:cNvPr id="1" name="Shape 254"/>
+        <p:cNvGrpSpPr/>
+        <p:nvPr/>
+      </p:nvGrpSpPr>
+      <p:grpSpPr>
+        <a:xfrm>
+          <a:off x="0" y="0"/>
+          <a:ext cx="0" cy="0"/>
+          <a:chOff x="0" y="0"/>
+          <a:chExt cx="0" cy="0"/>
+        </a:xfrm>
+      </p:grpSpPr>
+      <p:sp>
+        <p:nvSpPr>
+          <p:cNvPr id="255" name="Google Shape;255;p37"/>
+          <p:cNvSpPr txBox="1">
+            <a:spLocks noGrp="1"/>
+          </p:cNvSpPr>
+          <p:nvPr>
+            <p:ph type="ctrTitle"/>
+          </p:nvPr>
+        </p:nvSpPr>
+        <p:spPr>
+          <a:xfrm>
+            <a:off x="972825" y="697325"/>
+            <a:ext cx="9792900" cy="1049400"/>
+          </a:xfrm>
+          <a:prstGeom prst="rect">
+            <a:avLst/>
+          </a:prstGeom>
+        </p:spPr>
+        <p:txBody>
+          <a:bodyPr spcFirstLastPara="1" wrap="square" lIns="121900" tIns="121900" rIns="121900" bIns="121900" anchor="t" anchorCtr="0">
+            <a:noAutofit/>
+          </a:bodyPr>
+          <a:lstStyle/>
+          <a:p>
+            <a:pPr marL="0" lvl="0" indent="0" algn="l" rtl="0">
+              <a:spcBef>
+                <a:spcPts val="0"/>
+              </a:spcBef>
+              <a:spcAft>
+                <a:spcPts val="0"/>
+              </a:spcAft>
+              <a:buNone/>
+            </a:pPr>
+            <a:r>
+              <a:rPr lang="en-US"/>
+              <a:t>Class Project</a:t>
+            </a:r>
+            <a:endParaRPr/>
+          </a:p>
+        </p:txBody>
+      </p:sp>
+      <p:sp>
+        <p:nvSpPr>
+          <p:cNvPr id="256" name="Google Shape;256;p37"/>
+          <p:cNvSpPr txBox="1"/>
+          <p:nvPr/>
+        </p:nvSpPr>
+        <p:spPr>
+          <a:xfrm>
+            <a:off x="522975" y="1693200"/>
+            <a:ext cx="6364500" cy="6929400"/>
+          </a:xfrm>
+          <a:prstGeom prst="rect">
+            <a:avLst/>
+          </a:prstGeom>
+          <a:noFill/>
+          <a:ln>
+            <a:noFill/>
+          </a:ln>
+        </p:spPr>
+        <p:txBody>
+          <a:bodyPr spcFirstLastPara="1" wrap="square" lIns="91425" tIns="91425" rIns="91425" bIns="91425" anchor="t" anchorCtr="0">
+            <a:noAutofit/>
+          </a:bodyPr>
+          <a:lstStyle/>
+          <a:p>
+            <a:pPr marL="0" lvl="0" indent="0" algn="ctr" rtl="0">
+              <a:spcBef>
+                <a:spcPts val="0"/>
+              </a:spcBef>
+              <a:spcAft>
+                <a:spcPts val="0"/>
+              </a:spcAft>
+              <a:buClr>
+                <a:srgbClr val="000000"/>
+              </a:buClr>
+              <a:buSzPts val="1100"/>
+              <a:buFont typeface="Arial"/>
+              <a:buNone/>
+            </a:pPr>
+            <a:r>
+              <a:rPr lang="en-US" sz="1800" b="1" u="sng"/>
+              <a:t>Data Dictionary</a:t>
+            </a:r>
+            <a:endParaRPr sz="1800" b="1" u="sng"/>
+          </a:p>
+          <a:p>
+            <a:pPr marL="0" lvl="0" indent="0" algn="l" rtl="0">
+              <a:spcBef>
+                <a:spcPts val="0"/>
+              </a:spcBef>
+              <a:spcAft>
+                <a:spcPts val="0"/>
+              </a:spcAft>
+              <a:buNone/>
+            </a:pPr>
+            <a:r>
+              <a:rPr lang="en-US" sz="1800"/>
+              <a:t>1. Create a Data Dictionary for the “Consoles” schema, highlighting the original data source, database schema/table, fields values/types and business significance. </a:t>
+            </a:r>
+            <a:endParaRPr sz="1800"/>
+          </a:p>
+          <a:p>
+            <a:pPr marL="0" lvl="0" indent="0" algn="l" rtl="0">
+              <a:spcBef>
+                <a:spcPts val="0"/>
+              </a:spcBef>
+              <a:spcAft>
+                <a:spcPts val="0"/>
+              </a:spcAft>
+              <a:buNone/>
+            </a:pPr>
+            <a:endParaRPr sz="1800"/>
+          </a:p>
+          <a:p>
+            <a:pPr marL="0" lvl="0" indent="0" algn="ctr" rtl="0">
+              <a:spcBef>
+                <a:spcPts val="0"/>
+              </a:spcBef>
+              <a:spcAft>
+                <a:spcPts val="0"/>
+              </a:spcAft>
+              <a:buClr>
+                <a:srgbClr val="000000"/>
+              </a:buClr>
+              <a:buSzPts val="1100"/>
+              <a:buFont typeface="Arial"/>
+              <a:buNone/>
+            </a:pPr>
+            <a:r>
+              <a:rPr lang="en-US" sz="1800" b="1" u="sng"/>
+              <a:t>Power BI - Connect</a:t>
+            </a:r>
+            <a:endParaRPr sz="1800"/>
+          </a:p>
+          <a:p>
+            <a:pPr marL="0" lvl="0" indent="0" algn="l" rtl="0">
+              <a:spcBef>
+                <a:spcPts val="0"/>
+              </a:spcBef>
+              <a:spcAft>
+                <a:spcPts val="0"/>
+              </a:spcAft>
+              <a:buNone/>
+            </a:pPr>
+            <a:r>
+              <a:rPr lang="en-US" sz="1800"/>
+              <a:t>1. Import the views you created in the “Consoles” schema  into Power BI’s “</a:t>
+            </a:r>
+            <a:r>
+              <a:rPr lang="en-US" sz="1800" u="sng">
+                <a:solidFill>
+                  <a:schemeClr val="hlink"/>
+                </a:solidFill>
+                <a:hlinkClick r:id="rId3"/>
+              </a:rPr>
+              <a:t>Relationships</a:t>
+            </a:r>
+            <a:r>
+              <a:rPr lang="en-US" sz="1800"/>
+              <a:t>” view.</a:t>
+            </a:r>
+            <a:endParaRPr sz="1800"/>
+          </a:p>
+          <a:p>
+            <a:pPr marL="0" lvl="0" indent="0" algn="l" rtl="0">
+              <a:spcBef>
+                <a:spcPts val="0"/>
+              </a:spcBef>
+              <a:spcAft>
+                <a:spcPts val="0"/>
+              </a:spcAft>
+              <a:buNone/>
+            </a:pPr>
+            <a:endParaRPr sz="1800"/>
+          </a:p>
+          <a:p>
+            <a:pPr marL="0" lvl="0" indent="0" algn="l" rtl="0">
+              <a:spcBef>
+                <a:spcPts val="0"/>
+              </a:spcBef>
+              <a:spcAft>
+                <a:spcPts val="0"/>
+              </a:spcAft>
+              <a:buNone/>
+            </a:pPr>
+            <a:r>
+              <a:rPr lang="en-US" sz="1800"/>
+              <a:t>2. Re-Create the entity relationships in last week’s ERD, by adding relationships via the data modeling view in Power BI.</a:t>
+            </a:r>
+            <a:endParaRPr sz="1800"/>
+          </a:p>
+          <a:p>
+            <a:pPr marL="0" lvl="0" indent="0" algn="l" rtl="0">
+              <a:spcBef>
+                <a:spcPts val="0"/>
+              </a:spcBef>
+              <a:spcAft>
+                <a:spcPts val="0"/>
+              </a:spcAft>
+              <a:buNone/>
+            </a:pPr>
+            <a:endParaRPr sz="1800"/>
+          </a:p>
+          <a:p>
+            <a:pPr marL="0" lvl="0" indent="0" algn="ctr" rtl="0">
+              <a:spcBef>
+                <a:spcPts val="0"/>
+              </a:spcBef>
+              <a:spcAft>
+                <a:spcPts val="0"/>
+              </a:spcAft>
+              <a:buNone/>
+            </a:pPr>
+            <a:r>
+              <a:rPr lang="en-US" sz="1800" b="1" u="sng"/>
+              <a:t>Data Quality (Extra Credit)</a:t>
+            </a:r>
+            <a:endParaRPr sz="1800"/>
+          </a:p>
+          <a:p>
+            <a:pPr marL="0" lvl="0" indent="0" algn="l" rtl="0">
+              <a:spcBef>
+                <a:spcPts val="0"/>
+              </a:spcBef>
+              <a:spcAft>
+                <a:spcPts val="0"/>
+              </a:spcAft>
+              <a:buNone/>
+            </a:pPr>
+            <a:r>
+              <a:rPr lang="en-US" sz="1800"/>
+              <a:t>1. Analyze Data Quality with Python code, via the Jupyter notebook (Python_DataQuality.ipynb) located in the “Examples” folder.</a:t>
+            </a:r>
+            <a:endParaRPr sz="1800"/>
+          </a:p>
+        </p:txBody>
+      </p:sp>
+      <p:pic>
+        <p:nvPicPr>
+          <p:cNvPr id="257" name="Google Shape;257;p37"/>
+          <p:cNvPicPr preferRelativeResize="0"/>
+          <p:nvPr/>
+        </p:nvPicPr>
+        <p:blipFill>
+          <a:blip r:embed="rId4">
+            <a:alphaModFix/>
+          </a:blip>
+          <a:stretch>
+            <a:fillRect/>
+          </a:stretch>
+        </p:blipFill>
+        <p:spPr>
+          <a:xfrm>
+            <a:off x="7277100" y="1949750"/>
+            <a:ext cx="4096275" cy="4096275"/>
+          </a:xfrm>
+          <a:prstGeom prst="rect">
+            <a:avLst/>
+          </a:prstGeom>
+          <a:noFill/>
+          <a:ln>
+            <a:noFill/>
+          </a:ln>
+        </p:spPr>
+      </p:pic>
+    </p:spTree>
+  </p:cSld>
+  <p:clrMapOvr>
+    <a:masterClrMapping/>
+  </p:clrMapOvr>
+</p:sld>
+</file>
+
+<file path=ppt/slides/slide15.xml><?xml version="1.0" encoding="utf-8"?>
+<p:sld xmlns:a="http://schemas.openxmlformats.org/drawingml/2006/main" xmlns:r="http://schemas.openxmlformats.org/officeDocument/2006/relationships" xmlns:p="http://schemas.openxmlformats.org/presentationml/2006/main">
+  <p:cSld>
+    <p:spTree>
+      <p:nvGrpSpPr>
         <p:cNvPr id="1" name="Shape 283"/>
         <p:cNvGrpSpPr/>
         <p:nvPr/>
@@ -13081,10 +14085,10 @@
               <a:buNone/>
             </a:pPr>
             <a:r>
-              <a:rPr lang="en-US" sz="4800"/>
-              <a:t>Review: Class 6</a:t>
-            </a:r>
-            <a:endParaRPr sz="4800"/>
+              <a:rPr lang="en-US" sz="4800" dirty="0"/>
+              <a:t>Review: Class 7</a:t>
+            </a:r>
+            <a:endParaRPr sz="4800" dirty="0"/>
           </a:p>
         </p:txBody>
       </p:sp>
@@ -13315,7 +14319,7 @@
             </a:pPr>
             <a:r>
               <a:rPr lang="en-US" sz="4800" dirty="0"/>
-              <a:t>Class 7 Objectives</a:t>
+              <a:t>Class 8 Objectives</a:t>
             </a:r>
             <a:endParaRPr sz="4800" dirty="0"/>
           </a:p>
